--- a/slides/GIS ppt.pptx
+++ b/slides/GIS ppt.pptx
@@ -5,7 +5,7 @@
     <p:sldMasterId id="2147483720" r:id="rId1"/>
   </p:sldMasterIdLst>
   <p:notesMasterIdLst>
-    <p:notesMasterId r:id="rId14"/>
+    <p:notesMasterId r:id="rId16"/>
   </p:notesMasterIdLst>
   <p:sldIdLst>
     <p:sldId id="256" r:id="rId2"/>
@@ -13,13 +13,15 @@
     <p:sldId id="257" r:id="rId4"/>
     <p:sldId id="259" r:id="rId5"/>
     <p:sldId id="266" r:id="rId6"/>
-    <p:sldId id="260" r:id="rId7"/>
-    <p:sldId id="267" r:id="rId8"/>
-    <p:sldId id="262" r:id="rId9"/>
-    <p:sldId id="261" r:id="rId10"/>
-    <p:sldId id="265" r:id="rId11"/>
-    <p:sldId id="264" r:id="rId12"/>
-    <p:sldId id="263" r:id="rId13"/>
+    <p:sldId id="270" r:id="rId7"/>
+    <p:sldId id="260" r:id="rId8"/>
+    <p:sldId id="267" r:id="rId9"/>
+    <p:sldId id="268" r:id="rId10"/>
+    <p:sldId id="262" r:id="rId11"/>
+    <p:sldId id="261" r:id="rId12"/>
+    <p:sldId id="265" r:id="rId13"/>
+    <p:sldId id="264" r:id="rId14"/>
+    <p:sldId id="263" r:id="rId15"/>
   </p:sldIdLst>
   <p:sldSz cx="9144000" cy="6858000" type="screen4x3"/>
   <p:notesSz cx="6858000" cy="9144000"/>
@@ -644,7 +646,7 @@
     </p:spTree>
     <p:extLst>
       <p:ext uri="{BB962C8B-B14F-4D97-AF65-F5344CB8AC3E}">
-        <p14:creationId xmlns:p14="http://schemas.microsoft.com/office/powerpoint/2010/main" val="2576460738"/>
+        <p14:creationId xmlns:p14="http://schemas.microsoft.com/office/powerpoint/2010/main" val="3326789354"/>
       </p:ext>
     </p:extLst>
   </p:cSld>
@@ -728,7 +730,7 @@
     </p:spTree>
     <p:extLst>
       <p:ext uri="{BB962C8B-B14F-4D97-AF65-F5344CB8AC3E}">
-        <p14:creationId xmlns:p14="http://schemas.microsoft.com/office/powerpoint/2010/main" val="838284503"/>
+        <p14:creationId xmlns:p14="http://schemas.microsoft.com/office/powerpoint/2010/main" val="3776969175"/>
       </p:ext>
     </p:extLst>
   </p:cSld>
@@ -804,6 +806,174 @@
             <a:fld id="{042F4179-50D7-4D3F-97BF-E43FE249D584}" type="slidenum">
               <a:rPr lang="en-US"/>
               <a:t>12</a:t>
+            </a:fld>
+            <a:endParaRPr lang="en-US"/>
+          </a:p>
+        </p:txBody>
+      </p:sp>
+    </p:spTree>
+    <p:extLst>
+      <p:ext uri="{BB962C8B-B14F-4D97-AF65-F5344CB8AC3E}">
+        <p14:creationId xmlns:p14="http://schemas.microsoft.com/office/powerpoint/2010/main" val="2576460738"/>
+      </p:ext>
+    </p:extLst>
+  </p:cSld>
+  <p:clrMapOvr>
+    <a:masterClrMapping/>
+  </p:clrMapOvr>
+</p:notes>
+</file>
+
+<file path=ppt/notesSlides/notesSlide13.xml><?xml version="1.0" encoding="utf-8"?>
+<p:notes xmlns:a="http://schemas.openxmlformats.org/drawingml/2006/main" xmlns:r="http://schemas.openxmlformats.org/officeDocument/2006/relationships" xmlns:p="http://schemas.openxmlformats.org/presentationml/2006/main">
+  <p:cSld>
+    <p:spTree>
+      <p:nvGrpSpPr>
+        <p:cNvPr id="1" name=""/>
+        <p:cNvGrpSpPr/>
+        <p:nvPr/>
+      </p:nvGrpSpPr>
+      <p:grpSpPr>
+        <a:xfrm>
+          <a:off x="0" y="0"/>
+          <a:ext cx="0" cy="0"/>
+          <a:chOff x="0" y="0"/>
+          <a:chExt cx="0" cy="0"/>
+        </a:xfrm>
+      </p:grpSpPr>
+      <p:sp>
+        <p:nvSpPr>
+          <p:cNvPr id="2" name="Slide Image Placeholder 1"/>
+          <p:cNvSpPr>
+            <a:spLocks noGrp="1" noRot="1" noChangeAspect="1"/>
+          </p:cNvSpPr>
+          <p:nvPr>
+            <p:ph type="sldImg"/>
+          </p:nvPr>
+        </p:nvSpPr>
+        <p:spPr/>
+      </p:sp>
+      <p:sp>
+        <p:nvSpPr>
+          <p:cNvPr id="3" name="Notes Placeholder 2"/>
+          <p:cNvSpPr>
+            <a:spLocks noGrp="1"/>
+          </p:cNvSpPr>
+          <p:nvPr>
+            <p:ph type="body" idx="1"/>
+          </p:nvPr>
+        </p:nvSpPr>
+        <p:spPr/>
+        <p:txBody>
+          <a:bodyPr/>
+          <a:lstStyle/>
+          <a:p>
+            <a:endParaRPr lang="en-US"/>
+          </a:p>
+        </p:txBody>
+      </p:sp>
+      <p:sp>
+        <p:nvSpPr>
+          <p:cNvPr id="4" name="Slide Number Placeholder 3"/>
+          <p:cNvSpPr>
+            <a:spLocks noGrp="1"/>
+          </p:cNvSpPr>
+          <p:nvPr>
+            <p:ph type="sldNum" sz="quarter" idx="10"/>
+          </p:nvPr>
+        </p:nvSpPr>
+        <p:spPr/>
+        <p:txBody>
+          <a:bodyPr/>
+          <a:lstStyle/>
+          <a:p>
+            <a:fld id="{042F4179-50D7-4D3F-97BF-E43FE249D584}" type="slidenum">
+              <a:rPr lang="en-US"/>
+              <a:t>13</a:t>
+            </a:fld>
+            <a:endParaRPr lang="en-US"/>
+          </a:p>
+        </p:txBody>
+      </p:sp>
+    </p:spTree>
+    <p:extLst>
+      <p:ext uri="{BB962C8B-B14F-4D97-AF65-F5344CB8AC3E}">
+        <p14:creationId xmlns:p14="http://schemas.microsoft.com/office/powerpoint/2010/main" val="838284503"/>
+      </p:ext>
+    </p:extLst>
+  </p:cSld>
+  <p:clrMapOvr>
+    <a:masterClrMapping/>
+  </p:clrMapOvr>
+</p:notes>
+</file>
+
+<file path=ppt/notesSlides/notesSlide14.xml><?xml version="1.0" encoding="utf-8"?>
+<p:notes xmlns:a="http://schemas.openxmlformats.org/drawingml/2006/main" xmlns:r="http://schemas.openxmlformats.org/officeDocument/2006/relationships" xmlns:p="http://schemas.openxmlformats.org/presentationml/2006/main">
+  <p:cSld>
+    <p:spTree>
+      <p:nvGrpSpPr>
+        <p:cNvPr id="1" name=""/>
+        <p:cNvGrpSpPr/>
+        <p:nvPr/>
+      </p:nvGrpSpPr>
+      <p:grpSpPr>
+        <a:xfrm>
+          <a:off x="0" y="0"/>
+          <a:ext cx="0" cy="0"/>
+          <a:chOff x="0" y="0"/>
+          <a:chExt cx="0" cy="0"/>
+        </a:xfrm>
+      </p:grpSpPr>
+      <p:sp>
+        <p:nvSpPr>
+          <p:cNvPr id="2" name="Slide Image Placeholder 1"/>
+          <p:cNvSpPr>
+            <a:spLocks noGrp="1" noRot="1" noChangeAspect="1"/>
+          </p:cNvSpPr>
+          <p:nvPr>
+            <p:ph type="sldImg"/>
+          </p:nvPr>
+        </p:nvSpPr>
+        <p:spPr/>
+      </p:sp>
+      <p:sp>
+        <p:nvSpPr>
+          <p:cNvPr id="3" name="Notes Placeholder 2"/>
+          <p:cNvSpPr>
+            <a:spLocks noGrp="1"/>
+          </p:cNvSpPr>
+          <p:nvPr>
+            <p:ph type="body" idx="1"/>
+          </p:nvPr>
+        </p:nvSpPr>
+        <p:spPr/>
+        <p:txBody>
+          <a:bodyPr/>
+          <a:lstStyle/>
+          <a:p>
+            <a:endParaRPr lang="en-US"/>
+          </a:p>
+        </p:txBody>
+      </p:sp>
+      <p:sp>
+        <p:nvSpPr>
+          <p:cNvPr id="4" name="Slide Number Placeholder 3"/>
+          <p:cNvSpPr>
+            <a:spLocks noGrp="1"/>
+          </p:cNvSpPr>
+          <p:nvPr>
+            <p:ph type="sldNum" sz="quarter" idx="10"/>
+          </p:nvPr>
+        </p:nvSpPr>
+        <p:spPr/>
+        <p:txBody>
+          <a:bodyPr/>
+          <a:lstStyle/>
+          <a:p>
+            <a:fld id="{042F4179-50D7-4D3F-97BF-E43FE249D584}" type="slidenum">
+              <a:rPr lang="en-US"/>
+              <a:t>14</a:t>
             </a:fld>
             <a:endParaRPr lang="en-US"/>
           </a:p>
@@ -1243,7 +1413,7 @@
     </p:spTree>
     <p:extLst>
       <p:ext uri="{BB962C8B-B14F-4D97-AF65-F5344CB8AC3E}">
-        <p14:creationId xmlns:p14="http://schemas.microsoft.com/office/powerpoint/2010/main" val="1482436440"/>
+        <p14:creationId xmlns:p14="http://schemas.microsoft.com/office/powerpoint/2010/main" val="1939393696"/>
       </p:ext>
     </p:extLst>
   </p:cSld>
@@ -1327,7 +1497,7 @@
     </p:spTree>
     <p:extLst>
       <p:ext uri="{BB962C8B-B14F-4D97-AF65-F5344CB8AC3E}">
-        <p14:creationId xmlns:p14="http://schemas.microsoft.com/office/powerpoint/2010/main" val="1559768012"/>
+        <p14:creationId xmlns:p14="http://schemas.microsoft.com/office/powerpoint/2010/main" val="1482436440"/>
       </p:ext>
     </p:extLst>
   </p:cSld>
@@ -1411,7 +1581,7 @@
     </p:spTree>
     <p:extLst>
       <p:ext uri="{BB962C8B-B14F-4D97-AF65-F5344CB8AC3E}">
-        <p14:creationId xmlns:p14="http://schemas.microsoft.com/office/powerpoint/2010/main" val="3326789354"/>
+        <p14:creationId xmlns:p14="http://schemas.microsoft.com/office/powerpoint/2010/main" val="1559768012"/>
       </p:ext>
     </p:extLst>
   </p:cSld>
@@ -1495,7 +1665,7 @@
     </p:spTree>
     <p:extLst>
       <p:ext uri="{BB962C8B-B14F-4D97-AF65-F5344CB8AC3E}">
-        <p14:creationId xmlns:p14="http://schemas.microsoft.com/office/powerpoint/2010/main" val="3776969175"/>
+        <p14:creationId xmlns:p14="http://schemas.microsoft.com/office/powerpoint/2010/main" val="2881921230"/>
       </p:ext>
     </p:extLst>
   </p:cSld>
@@ -7445,36 +7615,66 @@
           <a:lstStyle/>
           <a:p>
             <a:r>
-              <a:rPr lang="en-US" dirty="0"/>
-              <a:t>Done By :</a:t>
-            </a:r>
-          </a:p>
-          <a:p>
-            <a:r>
-              <a:rPr lang="en-US" dirty="0"/>
+              <a:rPr lang="en-US" sz="2000" b="1" dirty="0">
+                <a:solidFill>
+                  <a:srgbClr val="000000"/>
+                </a:solidFill>
+              </a:rPr>
+              <a:t>Presented By :</a:t>
+            </a:r>
+            <a:endParaRPr lang="en-US" sz="2000" b="1" dirty="0">
+              <a:solidFill>
+                <a:srgbClr val="000000"/>
+              </a:solidFill>
+              <a:latin typeface="Trebuchet MS"/>
+            </a:endParaRPr>
+          </a:p>
+          <a:p>
+            <a:r>
+              <a:rPr lang="en-US" sz="2000" b="1" dirty="0">
+                <a:solidFill>
+                  <a:srgbClr val="000000"/>
+                </a:solidFill>
+              </a:rPr>
               <a:t>Anoop Toffy - MT2016016</a:t>
             </a:r>
           </a:p>
           <a:p>
             <a:r>
-              <a:rPr lang="en-US" dirty="0"/>
+              <a:rPr lang="en-US" sz="2000" b="1" dirty="0">
+                <a:solidFill>
+                  <a:srgbClr val="000000"/>
+                </a:solidFill>
+              </a:rPr>
               <a:t>Harshit Joshi – MT2016059</a:t>
             </a:r>
           </a:p>
           <a:p>
             <a:r>
-              <a:rPr lang="en-US" dirty="0"/>
+              <a:rPr lang="en-US" sz="2000" b="1" dirty="0">
+                <a:solidFill>
+                  <a:srgbClr val="000000"/>
+                </a:solidFill>
+              </a:rPr>
               <a:t>Mehul Singh – MT2016083</a:t>
             </a:r>
           </a:p>
           <a:p>
             <a:r>
-              <a:rPr lang="en-US" dirty="0"/>
-              <a:t>Mohammad Awais - MT2016086 </a:t>
-            </a:r>
-          </a:p>
-          <a:p>
-            <a:endParaRPr lang="en-US" dirty="0"/>
+              <a:rPr lang="en-US" sz="2000" b="1" dirty="0">
+                <a:solidFill>
+                  <a:srgbClr val="000000"/>
+                </a:solidFill>
+              </a:rPr>
+              <a:t>Mohd Awais - MT2016086 </a:t>
+            </a:r>
+          </a:p>
+          <a:p>
+            <a:endParaRPr lang="en-US" sz="2000" b="1" dirty="0">
+              <a:solidFill>
+                <a:srgbClr val="000000"/>
+              </a:solidFill>
+            </a:endParaRPr>
           </a:p>
         </p:txBody>
       </p:sp>
@@ -7549,6 +7749,282 @@
           <a:p>
             <a:r>
               <a:rPr lang="en-US" dirty="0"/>
+              <a:t>Key Challenges</a:t>
+            </a:r>
+          </a:p>
+        </p:txBody>
+      </p:sp>
+      <p:sp>
+        <p:nvSpPr>
+          <p:cNvPr id="3" name="Content Placeholder 2"/>
+          <p:cNvSpPr>
+            <a:spLocks noGrp="1"/>
+          </p:cNvSpPr>
+          <p:nvPr>
+            <p:ph idx="1"/>
+          </p:nvPr>
+        </p:nvSpPr>
+        <p:spPr/>
+        <p:txBody>
+          <a:bodyPr/>
+          <a:lstStyle/>
+          <a:p>
+            <a:endParaRPr lang="en-US"/>
+          </a:p>
+        </p:txBody>
+      </p:sp>
+      <p:pic>
+        <p:nvPicPr>
+          <p:cNvPr id="4" name="Picture 4" descr="IIIT-B_logo.jpg"/>
+          <p:cNvPicPr>
+            <a:picLocks noChangeAspect="1"/>
+          </p:cNvPicPr>
+          <p:nvPr/>
+        </p:nvPicPr>
+        <p:blipFill>
+          <a:blip r:embed="rId3"/>
+          <a:stretch>
+            <a:fillRect/>
+          </a:stretch>
+        </p:blipFill>
+        <p:spPr>
+          <a:xfrm>
+            <a:off x="497256" y="5811688"/>
+            <a:ext cx="862207" cy="985838"/>
+          </a:xfrm>
+          <a:prstGeom prst="rect">
+            <a:avLst/>
+          </a:prstGeom>
+        </p:spPr>
+      </p:pic>
+    </p:spTree>
+    <p:extLst>
+      <p:ext uri="{BB962C8B-B14F-4D97-AF65-F5344CB8AC3E}">
+        <p14:creationId xmlns:p14="http://schemas.microsoft.com/office/powerpoint/2010/main" val="1247408359"/>
+      </p:ext>
+    </p:extLst>
+  </p:cSld>
+  <p:clrMapOvr>
+    <a:masterClrMapping/>
+  </p:clrMapOvr>
+</p:sld>
+</file>
+
+<file path=ppt/slides/slide11.xml><?xml version="1.0" encoding="utf-8"?>
+<p:sld xmlns:a="http://schemas.openxmlformats.org/drawingml/2006/main" xmlns:r="http://schemas.openxmlformats.org/officeDocument/2006/relationships" xmlns:p="http://schemas.openxmlformats.org/presentationml/2006/main">
+  <p:cSld>
+    <p:spTree>
+      <p:nvGrpSpPr>
+        <p:cNvPr id="1" name=""/>
+        <p:cNvGrpSpPr/>
+        <p:nvPr/>
+      </p:nvGrpSpPr>
+      <p:grpSpPr>
+        <a:xfrm>
+          <a:off x="0" y="0"/>
+          <a:ext cx="0" cy="0"/>
+          <a:chOff x="0" y="0"/>
+          <a:chExt cx="0" cy="0"/>
+        </a:xfrm>
+      </p:grpSpPr>
+      <p:sp>
+        <p:nvSpPr>
+          <p:cNvPr id="2" name="Title 1"/>
+          <p:cNvSpPr>
+            <a:spLocks noGrp="1"/>
+          </p:cNvSpPr>
+          <p:nvPr>
+            <p:ph type="title"/>
+          </p:nvPr>
+        </p:nvSpPr>
+        <p:spPr/>
+        <p:txBody>
+          <a:bodyPr/>
+          <a:lstStyle/>
+          <a:p>
+            <a:r>
+              <a:rPr lang="en-US" dirty="0"/>
+              <a:t>Future Work</a:t>
+            </a:r>
+          </a:p>
+        </p:txBody>
+      </p:sp>
+      <p:sp>
+        <p:nvSpPr>
+          <p:cNvPr id="3" name="Content Placeholder 2"/>
+          <p:cNvSpPr>
+            <a:spLocks noGrp="1"/>
+          </p:cNvSpPr>
+          <p:nvPr>
+            <p:ph idx="1"/>
+          </p:nvPr>
+        </p:nvSpPr>
+        <p:spPr/>
+        <p:txBody>
+          <a:bodyPr vert="horz" lIns="91440" tIns="45720" rIns="91440" bIns="45720" rtlCol="0" anchor="t">
+            <a:normAutofit/>
+          </a:bodyPr>
+          <a:lstStyle/>
+          <a:p>
+            <a:r>
+              <a:rPr lang="en-US" dirty="0">
+                <a:solidFill>
+                  <a:schemeClr val="tx1"/>
+                </a:solidFill>
+                <a:latin typeface="Trebuchet MS"/>
+              </a:rPr>
+              <a:t>Incorporating Pedestrians</a:t>
+            </a:r>
+          </a:p>
+          <a:p>
+            <a:endParaRPr lang="en-US" dirty="0">
+              <a:solidFill>
+                <a:schemeClr val="tx1"/>
+              </a:solidFill>
+              <a:latin typeface="Trebuchet MS"/>
+            </a:endParaRPr>
+          </a:p>
+          <a:p>
+            <a:r>
+              <a:rPr lang="en-US" dirty="0">
+                <a:solidFill>
+                  <a:schemeClr val="tx1"/>
+                </a:solidFill>
+                <a:latin typeface="Trebuchet MS"/>
+              </a:rPr>
+              <a:t>Duration Constraint</a:t>
+            </a:r>
+          </a:p>
+          <a:p>
+            <a:endParaRPr lang="en-US" dirty="0">
+              <a:solidFill>
+                <a:schemeClr val="tx1"/>
+              </a:solidFill>
+              <a:latin typeface="Trebuchet MS"/>
+            </a:endParaRPr>
+          </a:p>
+          <a:p>
+            <a:r>
+              <a:rPr lang="en-US" dirty="0">
+                <a:solidFill>
+                  <a:schemeClr val="tx1"/>
+                </a:solidFill>
+                <a:latin typeface="Trebuchet MS"/>
+              </a:rPr>
+              <a:t>Caching Repetitive queries</a:t>
+            </a:r>
+          </a:p>
+          <a:p>
+            <a:endParaRPr lang="en-US" dirty="0">
+              <a:solidFill>
+                <a:schemeClr val="tx1"/>
+              </a:solidFill>
+              <a:latin typeface="Trebuchet MS"/>
+            </a:endParaRPr>
+          </a:p>
+          <a:p>
+            <a:r>
+              <a:rPr lang="en-US" dirty="0">
+                <a:solidFill>
+                  <a:schemeClr val="tx1"/>
+                </a:solidFill>
+                <a:latin typeface="Trebuchet MS"/>
+              </a:rPr>
+              <a:t>User location detection</a:t>
+            </a:r>
+          </a:p>
+          <a:p>
+            <a:endParaRPr lang="en-US" dirty="0">
+              <a:solidFill>
+                <a:schemeClr val="tx1"/>
+              </a:solidFill>
+              <a:latin typeface="Trebuchet MS"/>
+            </a:endParaRPr>
+          </a:p>
+          <a:p>
+            <a:r>
+              <a:rPr lang="en-US" dirty="0">
+                <a:solidFill>
+                  <a:schemeClr val="tx1"/>
+                </a:solidFill>
+                <a:latin typeface="Trebuchet MS"/>
+              </a:rPr>
+              <a:t>Expanding model to other cities</a:t>
+            </a:r>
+          </a:p>
+        </p:txBody>
+      </p:sp>
+      <p:pic>
+        <p:nvPicPr>
+          <p:cNvPr id="4" name="Picture 4" descr="IIIT-B_logo.jpg"/>
+          <p:cNvPicPr>
+            <a:picLocks noChangeAspect="1"/>
+          </p:cNvPicPr>
+          <p:nvPr/>
+        </p:nvPicPr>
+        <p:blipFill>
+          <a:blip r:embed="rId3"/>
+          <a:stretch>
+            <a:fillRect/>
+          </a:stretch>
+        </p:blipFill>
+        <p:spPr>
+          <a:xfrm>
+            <a:off x="497256" y="5811688"/>
+            <a:ext cx="862207" cy="985838"/>
+          </a:xfrm>
+          <a:prstGeom prst="rect">
+            <a:avLst/>
+          </a:prstGeom>
+        </p:spPr>
+      </p:pic>
+    </p:spTree>
+    <p:extLst>
+      <p:ext uri="{BB962C8B-B14F-4D97-AF65-F5344CB8AC3E}">
+        <p14:creationId xmlns:p14="http://schemas.microsoft.com/office/powerpoint/2010/main" val="287334000"/>
+      </p:ext>
+    </p:extLst>
+  </p:cSld>
+  <p:clrMapOvr>
+    <a:masterClrMapping/>
+  </p:clrMapOvr>
+</p:sld>
+</file>
+
+<file path=ppt/slides/slide12.xml><?xml version="1.0" encoding="utf-8"?>
+<p:sld xmlns:a="http://schemas.openxmlformats.org/drawingml/2006/main" xmlns:r="http://schemas.openxmlformats.org/officeDocument/2006/relationships" xmlns:p="http://schemas.openxmlformats.org/presentationml/2006/main">
+  <p:cSld>
+    <p:spTree>
+      <p:nvGrpSpPr>
+        <p:cNvPr id="1" name=""/>
+        <p:cNvGrpSpPr/>
+        <p:nvPr/>
+      </p:nvGrpSpPr>
+      <p:grpSpPr>
+        <a:xfrm>
+          <a:off x="0" y="0"/>
+          <a:ext cx="0" cy="0"/>
+          <a:chOff x="0" y="0"/>
+          <a:chExt cx="0" cy="0"/>
+        </a:xfrm>
+      </p:grpSpPr>
+      <p:sp>
+        <p:nvSpPr>
+          <p:cNvPr id="2" name="Title 1"/>
+          <p:cNvSpPr>
+            <a:spLocks noGrp="1"/>
+          </p:cNvSpPr>
+          <p:nvPr>
+            <p:ph type="title"/>
+          </p:nvPr>
+        </p:nvSpPr>
+        <p:spPr/>
+        <p:txBody>
+          <a:bodyPr/>
+          <a:lstStyle/>
+          <a:p>
+            <a:r>
+              <a:rPr lang="en-US" dirty="0"/>
               <a:t>References</a:t>
             </a:r>
           </a:p>
@@ -7610,7 +8086,7 @@
 </p:sld>
 </file>
 
-<file path=ppt/slides/slide11.xml><?xml version="1.0" encoding="utf-8"?>
+<file path=ppt/slides/slide13.xml><?xml version="1.0" encoding="utf-8"?>
 <p:sld xmlns:a="http://schemas.openxmlformats.org/drawingml/2006/main" xmlns:r="http://schemas.openxmlformats.org/officeDocument/2006/relationships" xmlns:p="http://schemas.openxmlformats.org/presentationml/2006/main">
   <p:cSld>
     <p:spTree>
@@ -7686,7 +8162,7 @@
 </p:sld>
 </file>
 
-<file path=ppt/slides/slide12.xml><?xml version="1.0" encoding="utf-8"?>
+<file path=ppt/slides/slide14.xml><?xml version="1.0" encoding="utf-8"?>
 <p:sld xmlns:a="http://schemas.openxmlformats.org/drawingml/2006/main" xmlns:r="http://schemas.openxmlformats.org/officeDocument/2006/relationships" xmlns:p="http://schemas.openxmlformats.org/presentationml/2006/main">
   <p:cSld>
     <p:spTree>
@@ -7720,7 +8196,7 @@
           <a:p>
             <a:r>
               <a:rPr lang="en-US" dirty="0"/>
-              <a:t>Thanks You</a:t>
+              <a:t>Thank You!</a:t>
             </a:r>
           </a:p>
         </p:txBody>
@@ -7795,8 +8271,13 @@
           <a:lstStyle/>
           <a:p>
             <a:r>
-              <a:rPr lang="en-US" dirty="0"/>
-              <a:t>Problem Statement</a:t>
+              <a:rPr lang="en-US" dirty="0">
+                <a:solidFill>
+                  <a:srgbClr val="90C226"/>
+                </a:solidFill>
+                <a:latin typeface="Trebuchet MS"/>
+              </a:rPr>
+              <a:t>Introduction</a:t>
             </a:r>
           </a:p>
         </p:txBody>
@@ -7811,68 +8292,54 @@
             <p:ph idx="1"/>
           </p:nvPr>
         </p:nvSpPr>
-        <p:spPr/>
+        <p:spPr>
+          <a:xfrm>
+            <a:off x="609600" y="1777491"/>
+            <a:ext cx="6731000" cy="4280409"/>
+          </a:xfrm>
+        </p:spPr>
         <p:txBody>
           <a:bodyPr vert="horz" lIns="91440" tIns="45720" rIns="91440" bIns="45720" rtlCol="0" anchor="t">
             <a:normAutofit/>
           </a:bodyPr>
           <a:lstStyle/>
           <a:p>
-            <a:pPr marL="0" indent="0">
+            <a:pPr marL="0" indent="0" algn="just">
               <a:buNone/>
             </a:pPr>
             <a:r>
-              <a:rPr lang="en-US" dirty="0">
+              <a:rPr lang="en-US" sz="2000" dirty="0">
                 <a:solidFill>
                   <a:schemeClr val="tx1"/>
                 </a:solidFill>
               </a:rPr>
-              <a:t>For a traveler it is often reliable when it comes to use different modes of transport for a single travel whenever it is available. But there lacks efficient systems to find out, even though there are systems that aid traveler to choose different modes of transport, such as Google Transit.</a:t>
-            </a:r>
-          </a:p>
-          <a:p>
-            <a:pPr marL="0" indent="0">
-              <a:buNone/>
-            </a:pPr>
-            <a:r>
-              <a:rPr lang="en-US" dirty="0">
+              <a:t>For a traveler it is often reliable to use different modes of transport for a travel whenever it is available. But there are very few efficient systems to find such a travel plan, there are systems that aid traveler to choose different modes of transport, such as Google Transit.</a:t>
+            </a:r>
+            <a:br>
+              <a:rPr lang="en-US" sz="2000" dirty="0">
                 <a:solidFill>
                   <a:schemeClr val="tx1"/>
                 </a:solidFill>
               </a:rPr>
-              <a:t>Multimodal Route Planning(MRP) is system that provides the </a:t>
-            </a:r>
-            <a:r>
-              <a:rPr lang="en-US" dirty="0" err="1">
+            </a:br>
+            <a:endParaRPr lang="en-US" sz="2000" dirty="0">
+              <a:solidFill>
+                <a:schemeClr val="tx1"/>
+              </a:solidFill>
+              <a:latin typeface="Trebuchet MS"/>
+            </a:endParaRPr>
+          </a:p>
+          <a:p>
+            <a:pPr marL="0" indent="0" algn="just">
+              <a:buNone/>
+            </a:pPr>
+            <a:r>
+              <a:rPr lang="en-US" sz="2000" dirty="0">
                 <a:solidFill>
                   <a:schemeClr val="tx1"/>
                 </a:solidFill>
               </a:rPr>
-              <a:t>traveller</a:t>
-            </a:r>
-            <a:r>
-              <a:rPr lang="en-US" dirty="0">
-                <a:solidFill>
-                  <a:schemeClr val="tx1"/>
-                </a:solidFill>
-              </a:rPr>
-              <a:t> with optimal, feasible and personalized route plan between a given source and destination. The system is designed to provide various public travel approaches (like bus riding, metro travel) and provides </a:t>
-            </a:r>
-            <a:r>
-              <a:rPr lang="en-US" dirty="0" err="1">
-                <a:solidFill>
-                  <a:schemeClr val="tx1"/>
-                </a:solidFill>
-              </a:rPr>
-              <a:t>traveller</a:t>
-            </a:r>
-            <a:r>
-              <a:rPr lang="en-US" dirty="0">
-                <a:solidFill>
-                  <a:schemeClr val="tx1"/>
-                </a:solidFill>
-              </a:rPr>
-              <a:t> the flexibility to choose from different modes of transport.</a:t>
+              <a:t>Multimodal Route Planning(MRP) is a system that provides the traveler with optimal, feasible and personalized route plan between a given source and destination. The system is designed to provide combinations of various public travel approaches like bus and metro.</a:t>
             </a:r>
           </a:p>
         </p:txBody>
@@ -8036,11 +8503,21 @@
             <p:ph type="title"/>
           </p:nvPr>
         </p:nvSpPr>
-        <p:spPr/>
-        <p:txBody>
-          <a:bodyPr/>
-          <a:lstStyle/>
-          <a:p>
+        <p:spPr>
+          <a:xfrm>
+            <a:off x="581025" y="47625"/>
+            <a:ext cx="6347713" cy="1320800"/>
+          </a:xfrm>
+        </p:spPr>
+        <p:txBody>
+          <a:bodyPr/>
+          <a:lstStyle/>
+          <a:p>
+            <a:pPr>
+              <a:lnSpc>
+                <a:spcPct val="150000"/>
+              </a:lnSpc>
+            </a:pPr>
             <a:r>
               <a:rPr lang="en-US" dirty="0"/>
               <a:t>Proposed Solution</a:t>
@@ -8058,12 +8535,49 @@
             <p:ph idx="1"/>
           </p:nvPr>
         </p:nvSpPr>
-        <p:spPr/>
-        <p:txBody>
-          <a:bodyPr/>
-          <a:lstStyle/>
-          <a:p>
-            <a:endParaRPr lang="en-US"/>
+        <p:spPr>
+          <a:xfrm>
+            <a:off x="360363" y="1111482"/>
+            <a:ext cx="7196137" cy="5030556"/>
+          </a:xfrm>
+        </p:spPr>
+        <p:txBody>
+          <a:bodyPr vert="horz" lIns="91440" tIns="45720" rIns="91440" bIns="45720" rtlCol="0" anchor="t">
+            <a:normAutofit/>
+          </a:bodyPr>
+          <a:lstStyle/>
+          <a:p>
+            <a:r>
+              <a:rPr lang="en-US" dirty="0">
+                <a:solidFill>
+                  <a:srgbClr val="404040"/>
+                </a:solidFill>
+                <a:latin typeface="Trebuchet MS"/>
+              </a:rPr>
+              <a:t>Defining The Input</a:t>
+            </a:r>
+            <a:br>
+              <a:rPr lang="en-US" dirty="0">
+                <a:solidFill>
+                  <a:schemeClr val="tx1"/>
+                </a:solidFill>
+                <a:latin typeface="Trebuchet MS"/>
+              </a:rPr>
+            </a:br>
+            <a:br>
+              <a:rPr lang="en-US" dirty="0">
+                <a:solidFill>
+                  <a:schemeClr val="tx1"/>
+                </a:solidFill>
+                <a:latin typeface="Trebuchet MS"/>
+              </a:rPr>
+            </a:br>
+            <a:endParaRPr lang="en-US" dirty="0">
+              <a:solidFill>
+                <a:schemeClr val="tx1"/>
+              </a:solidFill>
+              <a:latin typeface="Trebuchet MS"/>
+            </a:endParaRPr>
           </a:p>
         </p:txBody>
       </p:sp>
@@ -8155,10 +8669,19 @@
         </p:nvSpPr>
         <p:spPr/>
         <p:txBody>
-          <a:bodyPr/>
-          <a:lstStyle/>
-          <a:p>
-            <a:endParaRPr lang="en-US"/>
+          <a:bodyPr vert="horz" lIns="91440" tIns="45720" rIns="91440" bIns="45720" rtlCol="0" anchor="t">
+            <a:normAutofit/>
+          </a:bodyPr>
+          <a:lstStyle/>
+          <a:p>
+            <a:r>
+              <a:rPr lang="en-US" dirty="0">
+                <a:solidFill>
+                  <a:schemeClr val="tx1"/>
+                </a:solidFill>
+              </a:rPr>
+              <a:t>Modeling The Network</a:t>
+            </a:r>
           </a:p>
         </p:txBody>
       </p:sp>
@@ -8223,6 +8746,110 @@
             <a:spLocks noGrp="1"/>
           </p:cNvSpPr>
           <p:nvPr>
+            <p:ph type="title"/>
+          </p:nvPr>
+        </p:nvSpPr>
+        <p:spPr/>
+        <p:txBody>
+          <a:bodyPr/>
+          <a:lstStyle/>
+          <a:p>
+            <a:r>
+              <a:rPr lang="en-US" dirty="0"/>
+              <a:t>Proposed Solution (cont...)</a:t>
+            </a:r>
+          </a:p>
+        </p:txBody>
+      </p:sp>
+      <p:sp>
+        <p:nvSpPr>
+          <p:cNvPr id="3" name="Content Placeholder 2"/>
+          <p:cNvSpPr>
+            <a:spLocks noGrp="1"/>
+          </p:cNvSpPr>
+          <p:nvPr>
+            <p:ph idx="1"/>
+          </p:nvPr>
+        </p:nvSpPr>
+        <p:spPr/>
+        <p:txBody>
+          <a:bodyPr vert="horz" lIns="91440" tIns="45720" rIns="91440" bIns="45720" rtlCol="0" anchor="t">
+            <a:normAutofit/>
+          </a:bodyPr>
+          <a:lstStyle/>
+          <a:p>
+            <a:r>
+              <a:rPr lang="en-US" dirty="0">
+                <a:solidFill>
+                  <a:schemeClr val="tx1"/>
+                </a:solidFill>
+              </a:rPr>
+              <a:t>Our Transit Algorithm</a:t>
+            </a:r>
+          </a:p>
+        </p:txBody>
+      </p:sp>
+      <p:pic>
+        <p:nvPicPr>
+          <p:cNvPr id="4" name="Picture 4" descr="IIIT-B_logo.jpg"/>
+          <p:cNvPicPr>
+            <a:picLocks noChangeAspect="1"/>
+          </p:cNvPicPr>
+          <p:nvPr/>
+        </p:nvPicPr>
+        <p:blipFill>
+          <a:blip r:embed="rId3"/>
+          <a:stretch>
+            <a:fillRect/>
+          </a:stretch>
+        </p:blipFill>
+        <p:spPr>
+          <a:xfrm>
+            <a:off x="497256" y="5811688"/>
+            <a:ext cx="862207" cy="985838"/>
+          </a:xfrm>
+          <a:prstGeom prst="rect">
+            <a:avLst/>
+          </a:prstGeom>
+        </p:spPr>
+      </p:pic>
+    </p:spTree>
+    <p:extLst>
+      <p:ext uri="{BB962C8B-B14F-4D97-AF65-F5344CB8AC3E}">
+        <p14:creationId xmlns:p14="http://schemas.microsoft.com/office/powerpoint/2010/main" val="2338158982"/>
+      </p:ext>
+    </p:extLst>
+  </p:cSld>
+  <p:clrMapOvr>
+    <a:masterClrMapping/>
+  </p:clrMapOvr>
+</p:sld>
+</file>
+
+<file path=ppt/slides/slide7.xml><?xml version="1.0" encoding="utf-8"?>
+<p:sld xmlns:a="http://schemas.openxmlformats.org/drawingml/2006/main" xmlns:r="http://schemas.openxmlformats.org/officeDocument/2006/relationships" xmlns:p="http://schemas.openxmlformats.org/presentationml/2006/main">
+  <p:cSld>
+    <p:spTree>
+      <p:nvGrpSpPr>
+        <p:cNvPr id="1" name=""/>
+        <p:cNvGrpSpPr/>
+        <p:nvPr/>
+      </p:nvGrpSpPr>
+      <p:grpSpPr>
+        <a:xfrm>
+          <a:off x="0" y="0"/>
+          <a:ext cx="0" cy="0"/>
+          <a:chOff x="0" y="0"/>
+          <a:chExt cx="0" cy="0"/>
+        </a:xfrm>
+      </p:grpSpPr>
+      <p:sp>
+        <p:nvSpPr>
+          <p:cNvPr id="2" name="Title 1"/>
+          <p:cNvSpPr>
+            <a:spLocks noGrp="1"/>
+          </p:cNvSpPr>
+          <p:nvPr>
             <p:ph type="ctrTitle"/>
           </p:nvPr>
         </p:nvSpPr>
@@ -8275,7 +8902,7 @@
 </p:sld>
 </file>
 
-<file path=ppt/slides/slide7.xml><?xml version="1.0" encoding="utf-8"?>
+<file path=ppt/slides/slide8.xml><?xml version="1.0" encoding="utf-8"?>
 <p:sld xmlns:a="http://schemas.openxmlformats.org/drawingml/2006/main" xmlns:r="http://schemas.openxmlformats.org/officeDocument/2006/relationships" xmlns:p="http://schemas.openxmlformats.org/presentationml/2006/main">
   <p:cSld>
     <p:spTree>
@@ -8340,7 +8967,7 @@
       </p:pic>
       <p:pic>
         <p:nvPicPr>
-          <p:cNvPr id="5" name="Picture 5" descr="Screenshot_2017-04-25_01-53-33.png"/>
+          <p:cNvPr id="13" name="Picture 13" descr="routing.png"/>
           <p:cNvPicPr>
             <a:picLocks noGrp="1" noChangeAspect="1"/>
           </p:cNvPicPr>
@@ -8350,10 +8977,14 @@
         </p:nvPicPr>
         <p:blipFill rotWithShape="1">
           <a:blip r:embed="rId4"/>
-          <a:srcRect t="662" b="662"/>
+          <a:srcRect l="-3" t="500" r="3" b="6493"/>
           <a:stretch/>
         </p:blipFill>
         <p:spPr>
+          <a:xfrm>
+            <a:off x="609600" y="485775"/>
+            <a:ext cx="6363779" cy="4376738"/>
+          </a:xfrm>
           <a:prstGeom prst="rect">
             <a:avLst/>
           </a:prstGeom>
@@ -8363,101 +8994,6 @@
     <p:extLst>
       <p:ext uri="{BB962C8B-B14F-4D97-AF65-F5344CB8AC3E}">
         <p14:creationId xmlns:p14="http://schemas.microsoft.com/office/powerpoint/2010/main" val="3868308264"/>
-      </p:ext>
-    </p:extLst>
-  </p:cSld>
-  <p:clrMapOvr>
-    <a:masterClrMapping/>
-  </p:clrMapOvr>
-</p:sld>
-</file>
-
-<file path=ppt/slides/slide8.xml><?xml version="1.0" encoding="utf-8"?>
-<p:sld xmlns:a="http://schemas.openxmlformats.org/drawingml/2006/main" xmlns:r="http://schemas.openxmlformats.org/officeDocument/2006/relationships" xmlns:p="http://schemas.openxmlformats.org/presentationml/2006/main">
-  <p:cSld>
-    <p:spTree>
-      <p:nvGrpSpPr>
-        <p:cNvPr id="1" name=""/>
-        <p:cNvGrpSpPr/>
-        <p:nvPr/>
-      </p:nvGrpSpPr>
-      <p:grpSpPr>
-        <a:xfrm>
-          <a:off x="0" y="0"/>
-          <a:ext cx="0" cy="0"/>
-          <a:chOff x="0" y="0"/>
-          <a:chExt cx="0" cy="0"/>
-        </a:xfrm>
-      </p:grpSpPr>
-      <p:sp>
-        <p:nvSpPr>
-          <p:cNvPr id="2" name="Title 1"/>
-          <p:cNvSpPr>
-            <a:spLocks noGrp="1"/>
-          </p:cNvSpPr>
-          <p:nvPr>
-            <p:ph type="title"/>
-          </p:nvPr>
-        </p:nvSpPr>
-        <p:spPr/>
-        <p:txBody>
-          <a:bodyPr/>
-          <a:lstStyle/>
-          <a:p>
-            <a:r>
-              <a:rPr lang="en-US" dirty="0"/>
-              <a:t>Key Challenges</a:t>
-            </a:r>
-          </a:p>
-        </p:txBody>
-      </p:sp>
-      <p:sp>
-        <p:nvSpPr>
-          <p:cNvPr id="3" name="Content Placeholder 2"/>
-          <p:cNvSpPr>
-            <a:spLocks noGrp="1"/>
-          </p:cNvSpPr>
-          <p:nvPr>
-            <p:ph idx="1"/>
-          </p:nvPr>
-        </p:nvSpPr>
-        <p:spPr/>
-        <p:txBody>
-          <a:bodyPr/>
-          <a:lstStyle/>
-          <a:p>
-            <a:endParaRPr lang="en-US"/>
-          </a:p>
-        </p:txBody>
-      </p:sp>
-      <p:pic>
-        <p:nvPicPr>
-          <p:cNvPr id="4" name="Picture 4" descr="IIIT-B_logo.jpg"/>
-          <p:cNvPicPr>
-            <a:picLocks noChangeAspect="1"/>
-          </p:cNvPicPr>
-          <p:nvPr/>
-        </p:nvPicPr>
-        <p:blipFill>
-          <a:blip r:embed="rId3"/>
-          <a:stretch>
-            <a:fillRect/>
-          </a:stretch>
-        </p:blipFill>
-        <p:spPr>
-          <a:xfrm>
-            <a:off x="497256" y="5811688"/>
-            <a:ext cx="862207" cy="985838"/>
-          </a:xfrm>
-          <a:prstGeom prst="rect">
-            <a:avLst/>
-          </a:prstGeom>
-        </p:spPr>
-      </p:pic>
-    </p:spTree>
-    <p:extLst>
-      <p:ext uri="{BB962C8B-B14F-4D97-AF65-F5344CB8AC3E}">
-        <p14:creationId xmlns:p14="http://schemas.microsoft.com/office/powerpoint/2010/main" val="1247408359"/>
       </p:ext>
     </p:extLst>
   </p:cSld>
@@ -8501,7 +9037,7 @@
           <a:p>
             <a:r>
               <a:rPr lang="en-US" dirty="0"/>
-              <a:t>Future Work</a:t>
+              <a:t>Technologies Used</a:t>
             </a:r>
           </a:p>
         </p:txBody>
@@ -8516,43 +9052,60 @@
             <p:ph idx="1"/>
           </p:nvPr>
         </p:nvSpPr>
-        <p:spPr/>
-        <p:txBody>
-          <a:bodyPr/>
-          <a:lstStyle/>
-          <a:p>
-            <a:endParaRPr lang="en-US"/>
-          </a:p>
-        </p:txBody>
-      </p:sp>
-      <p:pic>
-        <p:nvPicPr>
-          <p:cNvPr id="4" name="Picture 4" descr="IIIT-B_logo.jpg"/>
-          <p:cNvPicPr>
-            <a:picLocks noChangeAspect="1"/>
-          </p:cNvPicPr>
-          <p:nvPr/>
-        </p:nvPicPr>
-        <p:blipFill>
-          <a:blip r:embed="rId3"/>
-          <a:stretch>
-            <a:fillRect/>
-          </a:stretch>
-        </p:blipFill>
         <p:spPr>
           <a:xfrm>
-            <a:off x="497256" y="5811688"/>
-            <a:ext cx="862207" cy="985838"/>
+            <a:off x="539750" y="1776922"/>
+            <a:ext cx="7046913" cy="4247641"/>
           </a:xfrm>
-          <a:prstGeom prst="rect">
-            <a:avLst/>
-          </a:prstGeom>
         </p:spPr>
-      </p:pic>
+        <p:txBody>
+          <a:bodyPr vert="horz" lIns="91440" tIns="45720" rIns="91440" bIns="45720" rtlCol="0" anchor="t">
+            <a:normAutofit/>
+          </a:bodyPr>
+          <a:lstStyle/>
+          <a:p>
+            <a:r>
+              <a:rPr lang="en-US" sz="2200" b="1" dirty="0"/>
+              <a:t>Back-End</a:t>
+            </a:r>
+          </a:p>
+          <a:p>
+            <a:pPr lvl="1"/>
+            <a:r>
+              <a:rPr lang="en-US" sz="1800" dirty="0"/>
+              <a:t>Python Programming Language</a:t>
+            </a:r>
+          </a:p>
+          <a:p>
+            <a:pPr lvl="1"/>
+            <a:endParaRPr lang="en-US" dirty="0"/>
+          </a:p>
+          <a:p>
+            <a:r>
+              <a:rPr lang="en-US" sz="2200" dirty="0"/>
+              <a:t>Front-End</a:t>
+            </a:r>
+          </a:p>
+          <a:p>
+            <a:pPr lvl="1"/>
+            <a:r>
+              <a:rPr lang="en-US" sz="1800" dirty="0"/>
+              <a:t>Django Framework</a:t>
+            </a:r>
+          </a:p>
+          <a:p>
+            <a:pPr lvl="1"/>
+            <a:r>
+              <a:rPr lang="en-US" sz="1800" dirty="0"/>
+              <a:t>Bootstrap Framework</a:t>
+            </a:r>
+          </a:p>
+        </p:txBody>
+      </p:sp>
     </p:spTree>
     <p:extLst>
       <p:ext uri="{BB962C8B-B14F-4D97-AF65-F5344CB8AC3E}">
-        <p14:creationId xmlns:p14="http://schemas.microsoft.com/office/powerpoint/2010/main" val="287334000"/>
+        <p14:creationId xmlns:p14="http://schemas.microsoft.com/office/powerpoint/2010/main" val="3545290549"/>
       </p:ext>
     </p:extLst>
   </p:cSld>
